--- a/teaching/2023Fall/4504/Project/fig.pptx
+++ b/teaching/2023Fall/4504/Project/fig.pptx
@@ -6,6 +6,8 @@
   </p:sldMasterIdLst>
   <p:sldIdLst>
     <p:sldId id="256" r:id="rId2"/>
+    <p:sldId id="257" r:id="rId3"/>
+    <p:sldId id="258" r:id="rId4"/>
   </p:sldIdLst>
   <p:sldSz cx="12192000" cy="6858000"/>
   <p:notesSz cx="6858000" cy="9144000"/>
@@ -104,6 +106,11 @@
       </a:defRPr>
     </a:lvl9pPr>
   </p:defaultTextStyle>
+  <p:extLst>
+    <p:ext uri="{EFAFB233-063F-42B5-8137-9DF3F51BA10A}">
+      <p15:sldGuideLst xmlns:p15="http://schemas.microsoft.com/office/powerpoint/2012/main"/>
+    </p:ext>
+  </p:extLst>
 </p:presentation>
 </file>
 
@@ -254,7 +261,7 @@
           <a:p>
             <a:fld id="{DBF89335-27AE-5145-B073-FC0580B2CC00}" type="datetimeFigureOut">
               <a:rPr lang="en-US" smtClean="0"/>
-              <a:t>8/29/23</a:t>
+              <a:t>9/5/23</a:t>
             </a:fld>
             <a:endParaRPr lang="en-US"/>
           </a:p>
@@ -452,7 +459,7 @@
           <a:p>
             <a:fld id="{DBF89335-27AE-5145-B073-FC0580B2CC00}" type="datetimeFigureOut">
               <a:rPr lang="en-US" smtClean="0"/>
-              <a:t>8/29/23</a:t>
+              <a:t>9/5/23</a:t>
             </a:fld>
             <a:endParaRPr lang="en-US"/>
           </a:p>
@@ -660,7 +667,7 @@
           <a:p>
             <a:fld id="{DBF89335-27AE-5145-B073-FC0580B2CC00}" type="datetimeFigureOut">
               <a:rPr lang="en-US" smtClean="0"/>
-              <a:t>8/29/23</a:t>
+              <a:t>9/5/23</a:t>
             </a:fld>
             <a:endParaRPr lang="en-US"/>
           </a:p>
@@ -858,7 +865,7 @@
           <a:p>
             <a:fld id="{DBF89335-27AE-5145-B073-FC0580B2CC00}" type="datetimeFigureOut">
               <a:rPr lang="en-US" smtClean="0"/>
-              <a:t>8/29/23</a:t>
+              <a:t>9/5/23</a:t>
             </a:fld>
             <a:endParaRPr lang="en-US"/>
           </a:p>
@@ -1133,7 +1140,7 @@
           <a:p>
             <a:fld id="{DBF89335-27AE-5145-B073-FC0580B2CC00}" type="datetimeFigureOut">
               <a:rPr lang="en-US" smtClean="0"/>
-              <a:t>8/29/23</a:t>
+              <a:t>9/5/23</a:t>
             </a:fld>
             <a:endParaRPr lang="en-US"/>
           </a:p>
@@ -1398,7 +1405,7 @@
           <a:p>
             <a:fld id="{DBF89335-27AE-5145-B073-FC0580B2CC00}" type="datetimeFigureOut">
               <a:rPr lang="en-US" smtClean="0"/>
-              <a:t>8/29/23</a:t>
+              <a:t>9/5/23</a:t>
             </a:fld>
             <a:endParaRPr lang="en-US"/>
           </a:p>
@@ -1810,7 +1817,7 @@
           <a:p>
             <a:fld id="{DBF89335-27AE-5145-B073-FC0580B2CC00}" type="datetimeFigureOut">
               <a:rPr lang="en-US" smtClean="0"/>
-              <a:t>8/29/23</a:t>
+              <a:t>9/5/23</a:t>
             </a:fld>
             <a:endParaRPr lang="en-US"/>
           </a:p>
@@ -1951,7 +1958,7 @@
           <a:p>
             <a:fld id="{DBF89335-27AE-5145-B073-FC0580B2CC00}" type="datetimeFigureOut">
               <a:rPr lang="en-US" smtClean="0"/>
-              <a:t>8/29/23</a:t>
+              <a:t>9/5/23</a:t>
             </a:fld>
             <a:endParaRPr lang="en-US"/>
           </a:p>
@@ -2064,7 +2071,7 @@
           <a:p>
             <a:fld id="{DBF89335-27AE-5145-B073-FC0580B2CC00}" type="datetimeFigureOut">
               <a:rPr lang="en-US" smtClean="0"/>
-              <a:t>8/29/23</a:t>
+              <a:t>9/5/23</a:t>
             </a:fld>
             <a:endParaRPr lang="en-US"/>
           </a:p>
@@ -2375,7 +2382,7 @@
           <a:p>
             <a:fld id="{DBF89335-27AE-5145-B073-FC0580B2CC00}" type="datetimeFigureOut">
               <a:rPr lang="en-US" smtClean="0"/>
-              <a:t>8/29/23</a:t>
+              <a:t>9/5/23</a:t>
             </a:fld>
             <a:endParaRPr lang="en-US"/>
           </a:p>
@@ -2663,7 +2670,7 @@
           <a:p>
             <a:fld id="{DBF89335-27AE-5145-B073-FC0580B2CC00}" type="datetimeFigureOut">
               <a:rPr lang="en-US" smtClean="0"/>
-              <a:t>8/29/23</a:t>
+              <a:t>9/5/23</a:t>
             </a:fld>
             <a:endParaRPr lang="en-US"/>
           </a:p>
@@ -2904,7 +2911,7 @@
           <a:p>
             <a:fld id="{DBF89335-27AE-5145-B073-FC0580B2CC00}" type="datetimeFigureOut">
               <a:rPr lang="en-US" smtClean="0"/>
-              <a:t>8/29/23</a:t>
+              <a:t>9/5/23</a:t>
             </a:fld>
             <a:endParaRPr lang="en-US"/>
           </a:p>
@@ -3443,6 +3450,1802 @@
 </p:sld>
 </file>
 
+<file path=ppt/slides/slide2.xml><?xml version="1.0" encoding="utf-8"?>
+<p:sld xmlns:a="http://schemas.openxmlformats.org/drawingml/2006/main" xmlns:r="http://schemas.openxmlformats.org/officeDocument/2006/relationships" xmlns:p="http://schemas.openxmlformats.org/presentationml/2006/main">
+  <p:cSld>
+    <p:spTree>
+      <p:nvGrpSpPr>
+        <p:cNvPr id="1" name=""/>
+        <p:cNvGrpSpPr/>
+        <p:nvPr/>
+      </p:nvGrpSpPr>
+      <p:grpSpPr>
+        <a:xfrm>
+          <a:off x="0" y="0"/>
+          <a:ext cx="0" cy="0"/>
+          <a:chOff x="0" y="0"/>
+          <a:chExt cx="0" cy="0"/>
+        </a:xfrm>
+      </p:grpSpPr>
+      <p:sp>
+        <p:nvSpPr>
+          <p:cNvPr id="15" name="Rounded Rectangle 14">
+            <a:extLst>
+              <a:ext uri="{FF2B5EF4-FFF2-40B4-BE49-F238E27FC236}">
+                <a16:creationId xmlns:a16="http://schemas.microsoft.com/office/drawing/2014/main" id="{E7792751-F015-EC60-AE1C-9E471C91E267}"/>
+              </a:ext>
+            </a:extLst>
+          </p:cNvPr>
+          <p:cNvSpPr/>
+          <p:nvPr/>
+        </p:nvSpPr>
+        <p:spPr>
+          <a:xfrm>
+            <a:off x="758543" y="2746198"/>
+            <a:ext cx="2561778" cy="2740202"/>
+          </a:xfrm>
+          <a:prstGeom prst="roundRect">
+            <a:avLst>
+              <a:gd name="adj" fmla="val 9241"/>
+            </a:avLst>
+          </a:prstGeom>
+          <a:noFill/>
+        </p:spPr>
+        <p:style>
+          <a:lnRef idx="2">
+            <a:schemeClr val="accent1">
+              <a:shade val="15000"/>
+            </a:schemeClr>
+          </a:lnRef>
+          <a:fillRef idx="1">
+            <a:schemeClr val="accent1"/>
+          </a:fillRef>
+          <a:effectRef idx="0">
+            <a:schemeClr val="accent1"/>
+          </a:effectRef>
+          <a:fontRef idx="minor">
+            <a:schemeClr val="lt1"/>
+          </a:fontRef>
+        </p:style>
+        <p:txBody>
+          <a:bodyPr rtlCol="0" anchor="ctr"/>
+          <a:lstStyle/>
+          <a:p>
+            <a:pPr algn="ctr"/>
+            <a:endParaRPr lang="en-US" dirty="0">
+              <a:solidFill>
+                <a:sysClr val="windowText" lastClr="000000"/>
+              </a:solidFill>
+            </a:endParaRPr>
+          </a:p>
+        </p:txBody>
+      </p:sp>
+      <p:sp>
+        <p:nvSpPr>
+          <p:cNvPr id="16" name="TextBox 15">
+            <a:extLst>
+              <a:ext uri="{FF2B5EF4-FFF2-40B4-BE49-F238E27FC236}">
+                <a16:creationId xmlns:a16="http://schemas.microsoft.com/office/drawing/2014/main" id="{09B57D0B-A05C-6139-97B9-C9932EEF3164}"/>
+              </a:ext>
+            </a:extLst>
+          </p:cNvPr>
+          <p:cNvSpPr txBox="1"/>
+          <p:nvPr/>
+        </p:nvSpPr>
+        <p:spPr>
+          <a:xfrm>
+            <a:off x="921216" y="2813457"/>
+            <a:ext cx="1963868" cy="369332"/>
+          </a:xfrm>
+          <a:prstGeom prst="rect">
+            <a:avLst/>
+          </a:prstGeom>
+          <a:noFill/>
+        </p:spPr>
+        <p:txBody>
+          <a:bodyPr wrap="square">
+            <a:spAutoFit/>
+          </a:bodyPr>
+          <a:lstStyle/>
+          <a:p>
+            <a:r>
+              <a:rPr lang="en-US" dirty="0"/>
+              <a:t>NUMA node 0</a:t>
+            </a:r>
+          </a:p>
+        </p:txBody>
+      </p:sp>
+      <p:sp>
+        <p:nvSpPr>
+          <p:cNvPr id="17" name="Rounded Rectangle 16">
+            <a:extLst>
+              <a:ext uri="{FF2B5EF4-FFF2-40B4-BE49-F238E27FC236}">
+                <a16:creationId xmlns:a16="http://schemas.microsoft.com/office/drawing/2014/main" id="{06BEDC74-5816-F243-DA88-1DF18A26E135}"/>
+              </a:ext>
+            </a:extLst>
+          </p:cNvPr>
+          <p:cNvSpPr/>
+          <p:nvPr/>
+        </p:nvSpPr>
+        <p:spPr>
+          <a:xfrm>
+            <a:off x="921216" y="3251022"/>
+            <a:ext cx="2219549" cy="933898"/>
+          </a:xfrm>
+          <a:prstGeom prst="roundRect">
+            <a:avLst>
+              <a:gd name="adj" fmla="val 9241"/>
+            </a:avLst>
+          </a:prstGeom>
+          <a:solidFill>
+            <a:schemeClr val="accent4">
+              <a:lumMod val="40000"/>
+              <a:lumOff val="60000"/>
+            </a:schemeClr>
+          </a:solidFill>
+        </p:spPr>
+        <p:style>
+          <a:lnRef idx="2">
+            <a:schemeClr val="accent1">
+              <a:shade val="15000"/>
+            </a:schemeClr>
+          </a:lnRef>
+          <a:fillRef idx="1">
+            <a:schemeClr val="accent1"/>
+          </a:fillRef>
+          <a:effectRef idx="0">
+            <a:schemeClr val="accent1"/>
+          </a:effectRef>
+          <a:fontRef idx="minor">
+            <a:schemeClr val="lt1"/>
+          </a:fontRef>
+        </p:style>
+        <p:txBody>
+          <a:bodyPr rtlCol="0" anchor="ctr"/>
+          <a:lstStyle/>
+          <a:p>
+            <a:pPr algn="ctr"/>
+            <a:endParaRPr lang="en-US" dirty="0"/>
+          </a:p>
+        </p:txBody>
+      </p:sp>
+      <p:sp>
+        <p:nvSpPr>
+          <p:cNvPr id="18" name="TextBox 17">
+            <a:extLst>
+              <a:ext uri="{FF2B5EF4-FFF2-40B4-BE49-F238E27FC236}">
+                <a16:creationId xmlns:a16="http://schemas.microsoft.com/office/drawing/2014/main" id="{68511B11-4A9D-960D-95BA-3E77FFFEE628}"/>
+              </a:ext>
+            </a:extLst>
+          </p:cNvPr>
+          <p:cNvSpPr txBox="1"/>
+          <p:nvPr/>
+        </p:nvSpPr>
+        <p:spPr>
+          <a:xfrm>
+            <a:off x="997126" y="3298643"/>
+            <a:ext cx="1120003" cy="369332"/>
+          </a:xfrm>
+          <a:prstGeom prst="rect">
+            <a:avLst/>
+          </a:prstGeom>
+          <a:noFill/>
+        </p:spPr>
+        <p:txBody>
+          <a:bodyPr wrap="square">
+            <a:spAutoFit/>
+          </a:bodyPr>
+          <a:lstStyle/>
+          <a:p>
+            <a:r>
+              <a:rPr lang="en-US" dirty="0">
+                <a:solidFill>
+                  <a:sysClr val="windowText" lastClr="000000"/>
+                </a:solidFill>
+              </a:rPr>
+              <a:t>Socket 0</a:t>
+            </a:r>
+          </a:p>
+        </p:txBody>
+      </p:sp>
+      <p:sp>
+        <p:nvSpPr>
+          <p:cNvPr id="19" name="Rounded Rectangle 18">
+            <a:extLst>
+              <a:ext uri="{FF2B5EF4-FFF2-40B4-BE49-F238E27FC236}">
+                <a16:creationId xmlns:a16="http://schemas.microsoft.com/office/drawing/2014/main" id="{0C7B8461-9808-E0CF-B7C7-71558C0F48EF}"/>
+              </a:ext>
+            </a:extLst>
+          </p:cNvPr>
+          <p:cNvSpPr/>
+          <p:nvPr/>
+        </p:nvSpPr>
+        <p:spPr>
+          <a:xfrm>
+            <a:off x="1069846" y="3687613"/>
+            <a:ext cx="825216" cy="382646"/>
+          </a:xfrm>
+          <a:prstGeom prst="roundRect">
+            <a:avLst>
+              <a:gd name="adj" fmla="val 9241"/>
+            </a:avLst>
+          </a:prstGeom>
+          <a:solidFill>
+            <a:srgbClr val="FF7E79"/>
+          </a:solidFill>
+        </p:spPr>
+        <p:style>
+          <a:lnRef idx="2">
+            <a:schemeClr val="accent1">
+              <a:shade val="15000"/>
+            </a:schemeClr>
+          </a:lnRef>
+          <a:fillRef idx="1">
+            <a:schemeClr val="accent1"/>
+          </a:fillRef>
+          <a:effectRef idx="0">
+            <a:schemeClr val="accent1"/>
+          </a:effectRef>
+          <a:fontRef idx="minor">
+            <a:schemeClr val="lt1"/>
+          </a:fontRef>
+        </p:style>
+        <p:txBody>
+          <a:bodyPr rtlCol="0" anchor="ctr"/>
+          <a:lstStyle/>
+          <a:p>
+            <a:pPr algn="ctr"/>
+            <a:endParaRPr lang="en-US" dirty="0"/>
+          </a:p>
+        </p:txBody>
+      </p:sp>
+      <p:sp>
+        <p:nvSpPr>
+          <p:cNvPr id="20" name="TextBox 19">
+            <a:extLst>
+              <a:ext uri="{FF2B5EF4-FFF2-40B4-BE49-F238E27FC236}">
+                <a16:creationId xmlns:a16="http://schemas.microsoft.com/office/drawing/2014/main" id="{BFADB519-3063-828E-7B89-215196535C53}"/>
+              </a:ext>
+            </a:extLst>
+          </p:cNvPr>
+          <p:cNvSpPr txBox="1"/>
+          <p:nvPr/>
+        </p:nvSpPr>
+        <p:spPr>
+          <a:xfrm>
+            <a:off x="1050690" y="3692493"/>
+            <a:ext cx="928217" cy="369332"/>
+          </a:xfrm>
+          <a:prstGeom prst="rect">
+            <a:avLst/>
+          </a:prstGeom>
+          <a:noFill/>
+        </p:spPr>
+        <p:txBody>
+          <a:bodyPr wrap="square">
+            <a:spAutoFit/>
+          </a:bodyPr>
+          <a:lstStyle/>
+          <a:p>
+            <a:pPr algn="ctr"/>
+            <a:r>
+              <a:rPr lang="en-US" dirty="0">
+                <a:solidFill>
+                  <a:sysClr val="windowText" lastClr="000000"/>
+                </a:solidFill>
+              </a:rPr>
+              <a:t>Core 0</a:t>
+            </a:r>
+          </a:p>
+        </p:txBody>
+      </p:sp>
+      <p:sp>
+        <p:nvSpPr>
+          <p:cNvPr id="21" name="Rounded Rectangle 20">
+            <a:extLst>
+              <a:ext uri="{FF2B5EF4-FFF2-40B4-BE49-F238E27FC236}">
+                <a16:creationId xmlns:a16="http://schemas.microsoft.com/office/drawing/2014/main" id="{A87CCD0E-927B-534C-B887-F26F3122800C}"/>
+              </a:ext>
+            </a:extLst>
+          </p:cNvPr>
+          <p:cNvSpPr/>
+          <p:nvPr/>
+        </p:nvSpPr>
+        <p:spPr>
+          <a:xfrm>
+            <a:off x="2136285" y="3682733"/>
+            <a:ext cx="825216" cy="382646"/>
+          </a:xfrm>
+          <a:prstGeom prst="roundRect">
+            <a:avLst>
+              <a:gd name="adj" fmla="val 9241"/>
+            </a:avLst>
+          </a:prstGeom>
+          <a:solidFill>
+            <a:srgbClr val="FF7E79"/>
+          </a:solidFill>
+        </p:spPr>
+        <p:style>
+          <a:lnRef idx="2">
+            <a:schemeClr val="accent1">
+              <a:shade val="15000"/>
+            </a:schemeClr>
+          </a:lnRef>
+          <a:fillRef idx="1">
+            <a:schemeClr val="accent1"/>
+          </a:fillRef>
+          <a:effectRef idx="0">
+            <a:schemeClr val="accent1"/>
+          </a:effectRef>
+          <a:fontRef idx="minor">
+            <a:schemeClr val="lt1"/>
+          </a:fontRef>
+        </p:style>
+        <p:txBody>
+          <a:bodyPr rtlCol="0" anchor="ctr"/>
+          <a:lstStyle/>
+          <a:p>
+            <a:pPr algn="ctr"/>
+            <a:endParaRPr lang="en-US" dirty="0"/>
+          </a:p>
+        </p:txBody>
+      </p:sp>
+      <p:sp>
+        <p:nvSpPr>
+          <p:cNvPr id="22" name="TextBox 21">
+            <a:extLst>
+              <a:ext uri="{FF2B5EF4-FFF2-40B4-BE49-F238E27FC236}">
+                <a16:creationId xmlns:a16="http://schemas.microsoft.com/office/drawing/2014/main" id="{D48FA2CA-A0F8-4E5F-9358-791E4BFC1511}"/>
+              </a:ext>
+            </a:extLst>
+          </p:cNvPr>
+          <p:cNvSpPr txBox="1"/>
+          <p:nvPr/>
+        </p:nvSpPr>
+        <p:spPr>
+          <a:xfrm>
+            <a:off x="2117129" y="3687613"/>
+            <a:ext cx="928217" cy="369332"/>
+          </a:xfrm>
+          <a:prstGeom prst="rect">
+            <a:avLst/>
+          </a:prstGeom>
+          <a:noFill/>
+        </p:spPr>
+        <p:txBody>
+          <a:bodyPr wrap="square">
+            <a:spAutoFit/>
+          </a:bodyPr>
+          <a:lstStyle/>
+          <a:p>
+            <a:pPr algn="ctr"/>
+            <a:r>
+              <a:rPr lang="en-US" dirty="0">
+                <a:solidFill>
+                  <a:sysClr val="windowText" lastClr="000000"/>
+                </a:solidFill>
+              </a:rPr>
+              <a:t>Core 1</a:t>
+            </a:r>
+          </a:p>
+        </p:txBody>
+      </p:sp>
+      <p:sp>
+        <p:nvSpPr>
+          <p:cNvPr id="23" name="Rounded Rectangle 22">
+            <a:extLst>
+              <a:ext uri="{FF2B5EF4-FFF2-40B4-BE49-F238E27FC236}">
+                <a16:creationId xmlns:a16="http://schemas.microsoft.com/office/drawing/2014/main" id="{213119BA-D0D3-C467-D613-B85DB3E44FE5}"/>
+              </a:ext>
+            </a:extLst>
+          </p:cNvPr>
+          <p:cNvSpPr/>
+          <p:nvPr/>
+        </p:nvSpPr>
+        <p:spPr>
+          <a:xfrm>
+            <a:off x="921216" y="4370153"/>
+            <a:ext cx="2219549" cy="933898"/>
+          </a:xfrm>
+          <a:prstGeom prst="roundRect">
+            <a:avLst>
+              <a:gd name="adj" fmla="val 9241"/>
+            </a:avLst>
+          </a:prstGeom>
+          <a:solidFill>
+            <a:schemeClr val="accent4">
+              <a:lumMod val="40000"/>
+              <a:lumOff val="60000"/>
+            </a:schemeClr>
+          </a:solidFill>
+        </p:spPr>
+        <p:style>
+          <a:lnRef idx="2">
+            <a:schemeClr val="accent1">
+              <a:shade val="15000"/>
+            </a:schemeClr>
+          </a:lnRef>
+          <a:fillRef idx="1">
+            <a:schemeClr val="accent1"/>
+          </a:fillRef>
+          <a:effectRef idx="0">
+            <a:schemeClr val="accent1"/>
+          </a:effectRef>
+          <a:fontRef idx="minor">
+            <a:schemeClr val="lt1"/>
+          </a:fontRef>
+        </p:style>
+        <p:txBody>
+          <a:bodyPr rtlCol="0" anchor="ctr"/>
+          <a:lstStyle/>
+          <a:p>
+            <a:pPr algn="ctr"/>
+            <a:endParaRPr lang="en-US" dirty="0"/>
+          </a:p>
+        </p:txBody>
+      </p:sp>
+      <p:sp>
+        <p:nvSpPr>
+          <p:cNvPr id="24" name="TextBox 23">
+            <a:extLst>
+              <a:ext uri="{FF2B5EF4-FFF2-40B4-BE49-F238E27FC236}">
+                <a16:creationId xmlns:a16="http://schemas.microsoft.com/office/drawing/2014/main" id="{721B7B54-9373-FB7C-844F-A9956EA897D1}"/>
+              </a:ext>
+            </a:extLst>
+          </p:cNvPr>
+          <p:cNvSpPr txBox="1"/>
+          <p:nvPr/>
+        </p:nvSpPr>
+        <p:spPr>
+          <a:xfrm>
+            <a:off x="997126" y="4417774"/>
+            <a:ext cx="1120003" cy="369332"/>
+          </a:xfrm>
+          <a:prstGeom prst="rect">
+            <a:avLst/>
+          </a:prstGeom>
+          <a:noFill/>
+        </p:spPr>
+        <p:txBody>
+          <a:bodyPr wrap="square">
+            <a:spAutoFit/>
+          </a:bodyPr>
+          <a:lstStyle/>
+          <a:p>
+            <a:r>
+              <a:rPr lang="en-US" dirty="0">
+                <a:solidFill>
+                  <a:sysClr val="windowText" lastClr="000000"/>
+                </a:solidFill>
+              </a:rPr>
+              <a:t>Socket 1</a:t>
+            </a:r>
+          </a:p>
+        </p:txBody>
+      </p:sp>
+      <p:sp>
+        <p:nvSpPr>
+          <p:cNvPr id="25" name="Rounded Rectangle 24">
+            <a:extLst>
+              <a:ext uri="{FF2B5EF4-FFF2-40B4-BE49-F238E27FC236}">
+                <a16:creationId xmlns:a16="http://schemas.microsoft.com/office/drawing/2014/main" id="{1EF59A2E-758B-2086-7546-9693F858D151}"/>
+              </a:ext>
+            </a:extLst>
+          </p:cNvPr>
+          <p:cNvSpPr/>
+          <p:nvPr/>
+        </p:nvSpPr>
+        <p:spPr>
+          <a:xfrm>
+            <a:off x="1069846" y="4806744"/>
+            <a:ext cx="825216" cy="382646"/>
+          </a:xfrm>
+          <a:prstGeom prst="roundRect">
+            <a:avLst>
+              <a:gd name="adj" fmla="val 9241"/>
+            </a:avLst>
+          </a:prstGeom>
+          <a:solidFill>
+            <a:srgbClr val="FF7E79"/>
+          </a:solidFill>
+        </p:spPr>
+        <p:style>
+          <a:lnRef idx="2">
+            <a:schemeClr val="accent1">
+              <a:shade val="15000"/>
+            </a:schemeClr>
+          </a:lnRef>
+          <a:fillRef idx="1">
+            <a:schemeClr val="accent1"/>
+          </a:fillRef>
+          <a:effectRef idx="0">
+            <a:schemeClr val="accent1"/>
+          </a:effectRef>
+          <a:fontRef idx="minor">
+            <a:schemeClr val="lt1"/>
+          </a:fontRef>
+        </p:style>
+        <p:txBody>
+          <a:bodyPr rtlCol="0" anchor="ctr"/>
+          <a:lstStyle/>
+          <a:p>
+            <a:pPr algn="ctr"/>
+            <a:endParaRPr lang="en-US" dirty="0"/>
+          </a:p>
+        </p:txBody>
+      </p:sp>
+      <p:sp>
+        <p:nvSpPr>
+          <p:cNvPr id="26" name="TextBox 25">
+            <a:extLst>
+              <a:ext uri="{FF2B5EF4-FFF2-40B4-BE49-F238E27FC236}">
+                <a16:creationId xmlns:a16="http://schemas.microsoft.com/office/drawing/2014/main" id="{65CAC036-7822-5B15-8466-64671073B4A4}"/>
+              </a:ext>
+            </a:extLst>
+          </p:cNvPr>
+          <p:cNvSpPr txBox="1"/>
+          <p:nvPr/>
+        </p:nvSpPr>
+        <p:spPr>
+          <a:xfrm>
+            <a:off x="1050690" y="4811624"/>
+            <a:ext cx="928217" cy="369332"/>
+          </a:xfrm>
+          <a:prstGeom prst="rect">
+            <a:avLst/>
+          </a:prstGeom>
+          <a:noFill/>
+        </p:spPr>
+        <p:txBody>
+          <a:bodyPr wrap="square">
+            <a:spAutoFit/>
+          </a:bodyPr>
+          <a:lstStyle/>
+          <a:p>
+            <a:pPr algn="ctr"/>
+            <a:r>
+              <a:rPr lang="en-US" dirty="0">
+                <a:solidFill>
+                  <a:sysClr val="windowText" lastClr="000000"/>
+                </a:solidFill>
+              </a:rPr>
+              <a:t>Core 0</a:t>
+            </a:r>
+          </a:p>
+        </p:txBody>
+      </p:sp>
+      <p:sp>
+        <p:nvSpPr>
+          <p:cNvPr id="27" name="Rounded Rectangle 26">
+            <a:extLst>
+              <a:ext uri="{FF2B5EF4-FFF2-40B4-BE49-F238E27FC236}">
+                <a16:creationId xmlns:a16="http://schemas.microsoft.com/office/drawing/2014/main" id="{A68581B5-DE7F-FAA2-08E4-2E9BEC007CBE}"/>
+              </a:ext>
+            </a:extLst>
+          </p:cNvPr>
+          <p:cNvSpPr/>
+          <p:nvPr/>
+        </p:nvSpPr>
+        <p:spPr>
+          <a:xfrm>
+            <a:off x="2136285" y="4801864"/>
+            <a:ext cx="825216" cy="382646"/>
+          </a:xfrm>
+          <a:prstGeom prst="roundRect">
+            <a:avLst>
+              <a:gd name="adj" fmla="val 9241"/>
+            </a:avLst>
+          </a:prstGeom>
+          <a:solidFill>
+            <a:srgbClr val="FF7E79"/>
+          </a:solidFill>
+        </p:spPr>
+        <p:style>
+          <a:lnRef idx="2">
+            <a:schemeClr val="accent1">
+              <a:shade val="15000"/>
+            </a:schemeClr>
+          </a:lnRef>
+          <a:fillRef idx="1">
+            <a:schemeClr val="accent1"/>
+          </a:fillRef>
+          <a:effectRef idx="0">
+            <a:schemeClr val="accent1"/>
+          </a:effectRef>
+          <a:fontRef idx="minor">
+            <a:schemeClr val="lt1"/>
+          </a:fontRef>
+        </p:style>
+        <p:txBody>
+          <a:bodyPr rtlCol="0" anchor="ctr"/>
+          <a:lstStyle/>
+          <a:p>
+            <a:pPr algn="ctr"/>
+            <a:endParaRPr lang="en-US" dirty="0"/>
+          </a:p>
+        </p:txBody>
+      </p:sp>
+      <p:sp>
+        <p:nvSpPr>
+          <p:cNvPr id="28" name="TextBox 27">
+            <a:extLst>
+              <a:ext uri="{FF2B5EF4-FFF2-40B4-BE49-F238E27FC236}">
+                <a16:creationId xmlns:a16="http://schemas.microsoft.com/office/drawing/2014/main" id="{F4379720-FD65-EB0E-C5EA-C3D0A5A3632C}"/>
+              </a:ext>
+            </a:extLst>
+          </p:cNvPr>
+          <p:cNvSpPr txBox="1"/>
+          <p:nvPr/>
+        </p:nvSpPr>
+        <p:spPr>
+          <a:xfrm>
+            <a:off x="2117129" y="4806744"/>
+            <a:ext cx="928217" cy="369332"/>
+          </a:xfrm>
+          <a:prstGeom prst="rect">
+            <a:avLst/>
+          </a:prstGeom>
+          <a:noFill/>
+        </p:spPr>
+        <p:txBody>
+          <a:bodyPr wrap="square">
+            <a:spAutoFit/>
+          </a:bodyPr>
+          <a:lstStyle/>
+          <a:p>
+            <a:pPr algn="ctr"/>
+            <a:r>
+              <a:rPr lang="en-US" dirty="0">
+                <a:solidFill>
+                  <a:sysClr val="windowText" lastClr="000000"/>
+                </a:solidFill>
+              </a:rPr>
+              <a:t>Core 1</a:t>
+            </a:r>
+          </a:p>
+        </p:txBody>
+      </p:sp>
+      <p:sp>
+        <p:nvSpPr>
+          <p:cNvPr id="29" name="Rounded Rectangle 28">
+            <a:extLst>
+              <a:ext uri="{FF2B5EF4-FFF2-40B4-BE49-F238E27FC236}">
+                <a16:creationId xmlns:a16="http://schemas.microsoft.com/office/drawing/2014/main" id="{F7C5A4F9-FB53-3561-2324-DDAFE40AD5D4}"/>
+              </a:ext>
+            </a:extLst>
+          </p:cNvPr>
+          <p:cNvSpPr/>
+          <p:nvPr/>
+        </p:nvSpPr>
+        <p:spPr>
+          <a:xfrm>
+            <a:off x="3534222" y="2720720"/>
+            <a:ext cx="2561778" cy="2740202"/>
+          </a:xfrm>
+          <a:prstGeom prst="roundRect">
+            <a:avLst>
+              <a:gd name="adj" fmla="val 9241"/>
+            </a:avLst>
+          </a:prstGeom>
+          <a:noFill/>
+        </p:spPr>
+        <p:style>
+          <a:lnRef idx="2">
+            <a:schemeClr val="accent1">
+              <a:shade val="15000"/>
+            </a:schemeClr>
+          </a:lnRef>
+          <a:fillRef idx="1">
+            <a:schemeClr val="accent1"/>
+          </a:fillRef>
+          <a:effectRef idx="0">
+            <a:schemeClr val="accent1"/>
+          </a:effectRef>
+          <a:fontRef idx="minor">
+            <a:schemeClr val="lt1"/>
+          </a:fontRef>
+        </p:style>
+        <p:txBody>
+          <a:bodyPr rtlCol="0" anchor="ctr"/>
+          <a:lstStyle/>
+          <a:p>
+            <a:pPr algn="ctr"/>
+            <a:endParaRPr lang="en-US" dirty="0">
+              <a:solidFill>
+                <a:sysClr val="windowText" lastClr="000000"/>
+              </a:solidFill>
+            </a:endParaRPr>
+          </a:p>
+        </p:txBody>
+      </p:sp>
+      <p:sp>
+        <p:nvSpPr>
+          <p:cNvPr id="30" name="TextBox 29">
+            <a:extLst>
+              <a:ext uri="{FF2B5EF4-FFF2-40B4-BE49-F238E27FC236}">
+                <a16:creationId xmlns:a16="http://schemas.microsoft.com/office/drawing/2014/main" id="{07406928-4554-AFEC-35EB-4210AEAC9AA5}"/>
+              </a:ext>
+            </a:extLst>
+          </p:cNvPr>
+          <p:cNvSpPr txBox="1"/>
+          <p:nvPr/>
+        </p:nvSpPr>
+        <p:spPr>
+          <a:xfrm>
+            <a:off x="3696895" y="2787979"/>
+            <a:ext cx="1963868" cy="369332"/>
+          </a:xfrm>
+          <a:prstGeom prst="rect">
+            <a:avLst/>
+          </a:prstGeom>
+          <a:noFill/>
+        </p:spPr>
+        <p:txBody>
+          <a:bodyPr wrap="square">
+            <a:spAutoFit/>
+          </a:bodyPr>
+          <a:lstStyle/>
+          <a:p>
+            <a:r>
+              <a:rPr lang="en-US" dirty="0"/>
+              <a:t>NUMA node 1</a:t>
+            </a:r>
+          </a:p>
+        </p:txBody>
+      </p:sp>
+      <p:sp>
+        <p:nvSpPr>
+          <p:cNvPr id="31" name="Rounded Rectangle 30">
+            <a:extLst>
+              <a:ext uri="{FF2B5EF4-FFF2-40B4-BE49-F238E27FC236}">
+                <a16:creationId xmlns:a16="http://schemas.microsoft.com/office/drawing/2014/main" id="{31F7EE38-DF3B-8DD7-FEB1-679E46F1AA98}"/>
+              </a:ext>
+            </a:extLst>
+          </p:cNvPr>
+          <p:cNvSpPr/>
+          <p:nvPr/>
+        </p:nvSpPr>
+        <p:spPr>
+          <a:xfrm>
+            <a:off x="3696895" y="3225544"/>
+            <a:ext cx="2219549" cy="933898"/>
+          </a:xfrm>
+          <a:prstGeom prst="roundRect">
+            <a:avLst>
+              <a:gd name="adj" fmla="val 9241"/>
+            </a:avLst>
+          </a:prstGeom>
+          <a:solidFill>
+            <a:schemeClr val="accent4">
+              <a:lumMod val="40000"/>
+              <a:lumOff val="60000"/>
+            </a:schemeClr>
+          </a:solidFill>
+        </p:spPr>
+        <p:style>
+          <a:lnRef idx="2">
+            <a:schemeClr val="accent1">
+              <a:shade val="15000"/>
+            </a:schemeClr>
+          </a:lnRef>
+          <a:fillRef idx="1">
+            <a:schemeClr val="accent1"/>
+          </a:fillRef>
+          <a:effectRef idx="0">
+            <a:schemeClr val="accent1"/>
+          </a:effectRef>
+          <a:fontRef idx="minor">
+            <a:schemeClr val="lt1"/>
+          </a:fontRef>
+        </p:style>
+        <p:txBody>
+          <a:bodyPr rtlCol="0" anchor="ctr"/>
+          <a:lstStyle/>
+          <a:p>
+            <a:pPr algn="ctr"/>
+            <a:endParaRPr lang="en-US" dirty="0"/>
+          </a:p>
+        </p:txBody>
+      </p:sp>
+      <p:sp>
+        <p:nvSpPr>
+          <p:cNvPr id="32" name="TextBox 31">
+            <a:extLst>
+              <a:ext uri="{FF2B5EF4-FFF2-40B4-BE49-F238E27FC236}">
+                <a16:creationId xmlns:a16="http://schemas.microsoft.com/office/drawing/2014/main" id="{B1F07F7C-7DFC-8A8C-9B72-EB210F55BBD8}"/>
+              </a:ext>
+            </a:extLst>
+          </p:cNvPr>
+          <p:cNvSpPr txBox="1"/>
+          <p:nvPr/>
+        </p:nvSpPr>
+        <p:spPr>
+          <a:xfrm>
+            <a:off x="3772805" y="3273165"/>
+            <a:ext cx="1120003" cy="369332"/>
+          </a:xfrm>
+          <a:prstGeom prst="rect">
+            <a:avLst/>
+          </a:prstGeom>
+          <a:noFill/>
+        </p:spPr>
+        <p:txBody>
+          <a:bodyPr wrap="square">
+            <a:spAutoFit/>
+          </a:bodyPr>
+          <a:lstStyle/>
+          <a:p>
+            <a:r>
+              <a:rPr lang="en-US" dirty="0">
+                <a:solidFill>
+                  <a:sysClr val="windowText" lastClr="000000"/>
+                </a:solidFill>
+              </a:rPr>
+              <a:t>Socket 0</a:t>
+            </a:r>
+          </a:p>
+        </p:txBody>
+      </p:sp>
+      <p:sp>
+        <p:nvSpPr>
+          <p:cNvPr id="33" name="Rounded Rectangle 32">
+            <a:extLst>
+              <a:ext uri="{FF2B5EF4-FFF2-40B4-BE49-F238E27FC236}">
+                <a16:creationId xmlns:a16="http://schemas.microsoft.com/office/drawing/2014/main" id="{DFF0E688-C390-14F6-313B-E4FC7BB8F392}"/>
+              </a:ext>
+            </a:extLst>
+          </p:cNvPr>
+          <p:cNvSpPr/>
+          <p:nvPr/>
+        </p:nvSpPr>
+        <p:spPr>
+          <a:xfrm>
+            <a:off x="3845525" y="3662135"/>
+            <a:ext cx="825216" cy="382646"/>
+          </a:xfrm>
+          <a:prstGeom prst="roundRect">
+            <a:avLst>
+              <a:gd name="adj" fmla="val 9241"/>
+            </a:avLst>
+          </a:prstGeom>
+          <a:solidFill>
+            <a:srgbClr val="FF7E79"/>
+          </a:solidFill>
+        </p:spPr>
+        <p:style>
+          <a:lnRef idx="2">
+            <a:schemeClr val="accent1">
+              <a:shade val="15000"/>
+            </a:schemeClr>
+          </a:lnRef>
+          <a:fillRef idx="1">
+            <a:schemeClr val="accent1"/>
+          </a:fillRef>
+          <a:effectRef idx="0">
+            <a:schemeClr val="accent1"/>
+          </a:effectRef>
+          <a:fontRef idx="minor">
+            <a:schemeClr val="lt1"/>
+          </a:fontRef>
+        </p:style>
+        <p:txBody>
+          <a:bodyPr rtlCol="0" anchor="ctr"/>
+          <a:lstStyle/>
+          <a:p>
+            <a:pPr algn="ctr"/>
+            <a:endParaRPr lang="en-US" dirty="0"/>
+          </a:p>
+        </p:txBody>
+      </p:sp>
+      <p:sp>
+        <p:nvSpPr>
+          <p:cNvPr id="34" name="TextBox 33">
+            <a:extLst>
+              <a:ext uri="{FF2B5EF4-FFF2-40B4-BE49-F238E27FC236}">
+                <a16:creationId xmlns:a16="http://schemas.microsoft.com/office/drawing/2014/main" id="{67846526-2B89-C4E3-EBBC-9303356D4541}"/>
+              </a:ext>
+            </a:extLst>
+          </p:cNvPr>
+          <p:cNvSpPr txBox="1"/>
+          <p:nvPr/>
+        </p:nvSpPr>
+        <p:spPr>
+          <a:xfrm>
+            <a:off x="3826369" y="3667015"/>
+            <a:ext cx="928217" cy="369332"/>
+          </a:xfrm>
+          <a:prstGeom prst="rect">
+            <a:avLst/>
+          </a:prstGeom>
+          <a:noFill/>
+        </p:spPr>
+        <p:txBody>
+          <a:bodyPr wrap="square">
+            <a:spAutoFit/>
+          </a:bodyPr>
+          <a:lstStyle/>
+          <a:p>
+            <a:pPr algn="ctr"/>
+            <a:r>
+              <a:rPr lang="en-US" dirty="0">
+                <a:solidFill>
+                  <a:sysClr val="windowText" lastClr="000000"/>
+                </a:solidFill>
+              </a:rPr>
+              <a:t>Core 0</a:t>
+            </a:r>
+          </a:p>
+        </p:txBody>
+      </p:sp>
+      <p:sp>
+        <p:nvSpPr>
+          <p:cNvPr id="35" name="Rounded Rectangle 34">
+            <a:extLst>
+              <a:ext uri="{FF2B5EF4-FFF2-40B4-BE49-F238E27FC236}">
+                <a16:creationId xmlns:a16="http://schemas.microsoft.com/office/drawing/2014/main" id="{A0BBB68F-32BE-C1EA-95B8-A56C51EC49AC}"/>
+              </a:ext>
+            </a:extLst>
+          </p:cNvPr>
+          <p:cNvSpPr/>
+          <p:nvPr/>
+        </p:nvSpPr>
+        <p:spPr>
+          <a:xfrm>
+            <a:off x="4911964" y="3657255"/>
+            <a:ext cx="825216" cy="382646"/>
+          </a:xfrm>
+          <a:prstGeom prst="roundRect">
+            <a:avLst>
+              <a:gd name="adj" fmla="val 9241"/>
+            </a:avLst>
+          </a:prstGeom>
+          <a:solidFill>
+            <a:srgbClr val="FF7E79"/>
+          </a:solidFill>
+        </p:spPr>
+        <p:style>
+          <a:lnRef idx="2">
+            <a:schemeClr val="accent1">
+              <a:shade val="15000"/>
+            </a:schemeClr>
+          </a:lnRef>
+          <a:fillRef idx="1">
+            <a:schemeClr val="accent1"/>
+          </a:fillRef>
+          <a:effectRef idx="0">
+            <a:schemeClr val="accent1"/>
+          </a:effectRef>
+          <a:fontRef idx="minor">
+            <a:schemeClr val="lt1"/>
+          </a:fontRef>
+        </p:style>
+        <p:txBody>
+          <a:bodyPr rtlCol="0" anchor="ctr"/>
+          <a:lstStyle/>
+          <a:p>
+            <a:pPr algn="ctr"/>
+            <a:endParaRPr lang="en-US" dirty="0"/>
+          </a:p>
+        </p:txBody>
+      </p:sp>
+      <p:sp>
+        <p:nvSpPr>
+          <p:cNvPr id="36" name="TextBox 35">
+            <a:extLst>
+              <a:ext uri="{FF2B5EF4-FFF2-40B4-BE49-F238E27FC236}">
+                <a16:creationId xmlns:a16="http://schemas.microsoft.com/office/drawing/2014/main" id="{AA250A02-DB39-60CB-11EC-C3364981D794}"/>
+              </a:ext>
+            </a:extLst>
+          </p:cNvPr>
+          <p:cNvSpPr txBox="1"/>
+          <p:nvPr/>
+        </p:nvSpPr>
+        <p:spPr>
+          <a:xfrm>
+            <a:off x="4892808" y="3662135"/>
+            <a:ext cx="928217" cy="369332"/>
+          </a:xfrm>
+          <a:prstGeom prst="rect">
+            <a:avLst/>
+          </a:prstGeom>
+          <a:noFill/>
+        </p:spPr>
+        <p:txBody>
+          <a:bodyPr wrap="square">
+            <a:spAutoFit/>
+          </a:bodyPr>
+          <a:lstStyle/>
+          <a:p>
+            <a:pPr algn="ctr"/>
+            <a:r>
+              <a:rPr lang="en-US" dirty="0">
+                <a:solidFill>
+                  <a:sysClr val="windowText" lastClr="000000"/>
+                </a:solidFill>
+              </a:rPr>
+              <a:t>Core 1</a:t>
+            </a:r>
+          </a:p>
+        </p:txBody>
+      </p:sp>
+      <p:sp>
+        <p:nvSpPr>
+          <p:cNvPr id="37" name="Rounded Rectangle 36">
+            <a:extLst>
+              <a:ext uri="{FF2B5EF4-FFF2-40B4-BE49-F238E27FC236}">
+                <a16:creationId xmlns:a16="http://schemas.microsoft.com/office/drawing/2014/main" id="{86332A68-0727-4A0E-61E7-DCE2446E8562}"/>
+              </a:ext>
+            </a:extLst>
+          </p:cNvPr>
+          <p:cNvSpPr/>
+          <p:nvPr/>
+        </p:nvSpPr>
+        <p:spPr>
+          <a:xfrm>
+            <a:off x="3696895" y="4344675"/>
+            <a:ext cx="2219549" cy="933898"/>
+          </a:xfrm>
+          <a:prstGeom prst="roundRect">
+            <a:avLst>
+              <a:gd name="adj" fmla="val 9241"/>
+            </a:avLst>
+          </a:prstGeom>
+          <a:solidFill>
+            <a:schemeClr val="accent4">
+              <a:lumMod val="40000"/>
+              <a:lumOff val="60000"/>
+            </a:schemeClr>
+          </a:solidFill>
+        </p:spPr>
+        <p:style>
+          <a:lnRef idx="2">
+            <a:schemeClr val="accent1">
+              <a:shade val="15000"/>
+            </a:schemeClr>
+          </a:lnRef>
+          <a:fillRef idx="1">
+            <a:schemeClr val="accent1"/>
+          </a:fillRef>
+          <a:effectRef idx="0">
+            <a:schemeClr val="accent1"/>
+          </a:effectRef>
+          <a:fontRef idx="minor">
+            <a:schemeClr val="lt1"/>
+          </a:fontRef>
+        </p:style>
+        <p:txBody>
+          <a:bodyPr rtlCol="0" anchor="ctr"/>
+          <a:lstStyle/>
+          <a:p>
+            <a:pPr algn="ctr"/>
+            <a:endParaRPr lang="en-US" dirty="0"/>
+          </a:p>
+        </p:txBody>
+      </p:sp>
+      <p:sp>
+        <p:nvSpPr>
+          <p:cNvPr id="38" name="TextBox 37">
+            <a:extLst>
+              <a:ext uri="{FF2B5EF4-FFF2-40B4-BE49-F238E27FC236}">
+                <a16:creationId xmlns:a16="http://schemas.microsoft.com/office/drawing/2014/main" id="{09C4DE28-F8C0-82C4-7481-D32E6D5C2986}"/>
+              </a:ext>
+            </a:extLst>
+          </p:cNvPr>
+          <p:cNvSpPr txBox="1"/>
+          <p:nvPr/>
+        </p:nvSpPr>
+        <p:spPr>
+          <a:xfrm>
+            <a:off x="3772805" y="4392296"/>
+            <a:ext cx="1120003" cy="369332"/>
+          </a:xfrm>
+          <a:prstGeom prst="rect">
+            <a:avLst/>
+          </a:prstGeom>
+          <a:noFill/>
+        </p:spPr>
+        <p:txBody>
+          <a:bodyPr wrap="square">
+            <a:spAutoFit/>
+          </a:bodyPr>
+          <a:lstStyle/>
+          <a:p>
+            <a:r>
+              <a:rPr lang="en-US" dirty="0">
+                <a:solidFill>
+                  <a:sysClr val="windowText" lastClr="000000"/>
+                </a:solidFill>
+              </a:rPr>
+              <a:t>Socket 1</a:t>
+            </a:r>
+          </a:p>
+        </p:txBody>
+      </p:sp>
+      <p:sp>
+        <p:nvSpPr>
+          <p:cNvPr id="39" name="Rounded Rectangle 38">
+            <a:extLst>
+              <a:ext uri="{FF2B5EF4-FFF2-40B4-BE49-F238E27FC236}">
+                <a16:creationId xmlns:a16="http://schemas.microsoft.com/office/drawing/2014/main" id="{A90A9DAB-7926-484A-F454-18A694DE23E4}"/>
+              </a:ext>
+            </a:extLst>
+          </p:cNvPr>
+          <p:cNvSpPr/>
+          <p:nvPr/>
+        </p:nvSpPr>
+        <p:spPr>
+          <a:xfrm>
+            <a:off x="3845525" y="4781266"/>
+            <a:ext cx="825216" cy="382646"/>
+          </a:xfrm>
+          <a:prstGeom prst="roundRect">
+            <a:avLst>
+              <a:gd name="adj" fmla="val 9241"/>
+            </a:avLst>
+          </a:prstGeom>
+          <a:solidFill>
+            <a:srgbClr val="FF7E79"/>
+          </a:solidFill>
+        </p:spPr>
+        <p:style>
+          <a:lnRef idx="2">
+            <a:schemeClr val="accent1">
+              <a:shade val="15000"/>
+            </a:schemeClr>
+          </a:lnRef>
+          <a:fillRef idx="1">
+            <a:schemeClr val="accent1"/>
+          </a:fillRef>
+          <a:effectRef idx="0">
+            <a:schemeClr val="accent1"/>
+          </a:effectRef>
+          <a:fontRef idx="minor">
+            <a:schemeClr val="lt1"/>
+          </a:fontRef>
+        </p:style>
+        <p:txBody>
+          <a:bodyPr rtlCol="0" anchor="ctr"/>
+          <a:lstStyle/>
+          <a:p>
+            <a:pPr algn="ctr"/>
+            <a:endParaRPr lang="en-US" dirty="0"/>
+          </a:p>
+        </p:txBody>
+      </p:sp>
+      <p:sp>
+        <p:nvSpPr>
+          <p:cNvPr id="40" name="TextBox 39">
+            <a:extLst>
+              <a:ext uri="{FF2B5EF4-FFF2-40B4-BE49-F238E27FC236}">
+                <a16:creationId xmlns:a16="http://schemas.microsoft.com/office/drawing/2014/main" id="{31E0B5AB-8218-E074-8FCD-530EAD83438E}"/>
+              </a:ext>
+            </a:extLst>
+          </p:cNvPr>
+          <p:cNvSpPr txBox="1"/>
+          <p:nvPr/>
+        </p:nvSpPr>
+        <p:spPr>
+          <a:xfrm>
+            <a:off x="3826369" y="4786146"/>
+            <a:ext cx="928217" cy="369332"/>
+          </a:xfrm>
+          <a:prstGeom prst="rect">
+            <a:avLst/>
+          </a:prstGeom>
+          <a:noFill/>
+        </p:spPr>
+        <p:txBody>
+          <a:bodyPr wrap="square">
+            <a:spAutoFit/>
+          </a:bodyPr>
+          <a:lstStyle/>
+          <a:p>
+            <a:pPr algn="ctr"/>
+            <a:r>
+              <a:rPr lang="en-US" dirty="0">
+                <a:solidFill>
+                  <a:sysClr val="windowText" lastClr="000000"/>
+                </a:solidFill>
+              </a:rPr>
+              <a:t>Core 0</a:t>
+            </a:r>
+          </a:p>
+        </p:txBody>
+      </p:sp>
+      <p:sp>
+        <p:nvSpPr>
+          <p:cNvPr id="41" name="Rounded Rectangle 40">
+            <a:extLst>
+              <a:ext uri="{FF2B5EF4-FFF2-40B4-BE49-F238E27FC236}">
+                <a16:creationId xmlns:a16="http://schemas.microsoft.com/office/drawing/2014/main" id="{E852F6CF-AC7A-349E-E0BF-74ADD4FC0224}"/>
+              </a:ext>
+            </a:extLst>
+          </p:cNvPr>
+          <p:cNvSpPr/>
+          <p:nvPr/>
+        </p:nvSpPr>
+        <p:spPr>
+          <a:xfrm>
+            <a:off x="4911964" y="4776386"/>
+            <a:ext cx="825216" cy="382646"/>
+          </a:xfrm>
+          <a:prstGeom prst="roundRect">
+            <a:avLst>
+              <a:gd name="adj" fmla="val 9241"/>
+            </a:avLst>
+          </a:prstGeom>
+          <a:solidFill>
+            <a:srgbClr val="FF7E79"/>
+          </a:solidFill>
+        </p:spPr>
+        <p:style>
+          <a:lnRef idx="2">
+            <a:schemeClr val="accent1">
+              <a:shade val="15000"/>
+            </a:schemeClr>
+          </a:lnRef>
+          <a:fillRef idx="1">
+            <a:schemeClr val="accent1"/>
+          </a:fillRef>
+          <a:effectRef idx="0">
+            <a:schemeClr val="accent1"/>
+          </a:effectRef>
+          <a:fontRef idx="minor">
+            <a:schemeClr val="lt1"/>
+          </a:fontRef>
+        </p:style>
+        <p:txBody>
+          <a:bodyPr rtlCol="0" anchor="ctr"/>
+          <a:lstStyle/>
+          <a:p>
+            <a:pPr algn="ctr"/>
+            <a:endParaRPr lang="en-US" dirty="0"/>
+          </a:p>
+        </p:txBody>
+      </p:sp>
+      <p:sp>
+        <p:nvSpPr>
+          <p:cNvPr id="42" name="TextBox 41">
+            <a:extLst>
+              <a:ext uri="{FF2B5EF4-FFF2-40B4-BE49-F238E27FC236}">
+                <a16:creationId xmlns:a16="http://schemas.microsoft.com/office/drawing/2014/main" id="{9B20054C-7475-0FCD-9ECF-54A20B02E28D}"/>
+              </a:ext>
+            </a:extLst>
+          </p:cNvPr>
+          <p:cNvSpPr txBox="1"/>
+          <p:nvPr/>
+        </p:nvSpPr>
+        <p:spPr>
+          <a:xfrm>
+            <a:off x="4892808" y="4781266"/>
+            <a:ext cx="928217" cy="369332"/>
+          </a:xfrm>
+          <a:prstGeom prst="rect">
+            <a:avLst/>
+          </a:prstGeom>
+          <a:noFill/>
+        </p:spPr>
+        <p:txBody>
+          <a:bodyPr wrap="square">
+            <a:spAutoFit/>
+          </a:bodyPr>
+          <a:lstStyle/>
+          <a:p>
+            <a:pPr algn="ctr"/>
+            <a:r>
+              <a:rPr lang="en-US" dirty="0">
+                <a:solidFill>
+                  <a:sysClr val="windowText" lastClr="000000"/>
+                </a:solidFill>
+              </a:rPr>
+              <a:t>Core 1</a:t>
+            </a:r>
+          </a:p>
+        </p:txBody>
+      </p:sp>
+    </p:spTree>
+    <p:extLst>
+      <p:ext uri="{BB962C8B-B14F-4D97-AF65-F5344CB8AC3E}">
+        <p14:creationId xmlns:p14="http://schemas.microsoft.com/office/powerpoint/2010/main" val="1152507742"/>
+      </p:ext>
+    </p:extLst>
+  </p:cSld>
+  <p:clrMapOvr>
+    <a:masterClrMapping/>
+  </p:clrMapOvr>
+</p:sld>
+</file>
+
+<file path=ppt/slides/slide3.xml><?xml version="1.0" encoding="utf-8"?>
+<p:sld xmlns:a="http://schemas.openxmlformats.org/drawingml/2006/main" xmlns:r="http://schemas.openxmlformats.org/officeDocument/2006/relationships" xmlns:p="http://schemas.openxmlformats.org/presentationml/2006/main">
+  <p:cSld>
+    <p:spTree>
+      <p:nvGrpSpPr>
+        <p:cNvPr id="1" name=""/>
+        <p:cNvGrpSpPr/>
+        <p:nvPr/>
+      </p:nvGrpSpPr>
+      <p:grpSpPr>
+        <a:xfrm>
+          <a:off x="0" y="0"/>
+          <a:ext cx="0" cy="0"/>
+          <a:chOff x="0" y="0"/>
+          <a:chExt cx="0" cy="0"/>
+        </a:xfrm>
+      </p:grpSpPr>
+      <p:sp>
+        <p:nvSpPr>
+          <p:cNvPr id="5" name="Rounded Rectangle 4">
+            <a:extLst>
+              <a:ext uri="{FF2B5EF4-FFF2-40B4-BE49-F238E27FC236}">
+                <a16:creationId xmlns:a16="http://schemas.microsoft.com/office/drawing/2014/main" id="{D9B5C098-B0BB-5049-08DE-EC67C75DDCCE}"/>
+              </a:ext>
+            </a:extLst>
+          </p:cNvPr>
+          <p:cNvSpPr/>
+          <p:nvPr/>
+        </p:nvSpPr>
+        <p:spPr>
+          <a:xfrm>
+            <a:off x="3057894" y="3100389"/>
+            <a:ext cx="5743206" cy="1682842"/>
+          </a:xfrm>
+          <a:prstGeom prst="roundRect">
+            <a:avLst>
+              <a:gd name="adj" fmla="val 9241"/>
+            </a:avLst>
+          </a:prstGeom>
+          <a:noFill/>
+        </p:spPr>
+        <p:style>
+          <a:lnRef idx="2">
+            <a:schemeClr val="accent1">
+              <a:shade val="15000"/>
+            </a:schemeClr>
+          </a:lnRef>
+          <a:fillRef idx="1">
+            <a:schemeClr val="accent1"/>
+          </a:fillRef>
+          <a:effectRef idx="0">
+            <a:schemeClr val="accent1"/>
+          </a:effectRef>
+          <a:fontRef idx="minor">
+            <a:schemeClr val="lt1"/>
+          </a:fontRef>
+        </p:style>
+        <p:txBody>
+          <a:bodyPr rtlCol="0" anchor="ctr"/>
+          <a:lstStyle/>
+          <a:p>
+            <a:pPr algn="ctr"/>
+            <a:endParaRPr lang="en-US" dirty="0">
+              <a:solidFill>
+                <a:sysClr val="windowText" lastClr="000000"/>
+              </a:solidFill>
+            </a:endParaRPr>
+          </a:p>
+        </p:txBody>
+      </p:sp>
+      <p:pic>
+        <p:nvPicPr>
+          <p:cNvPr id="4" name="Picture 3">
+            <a:extLst>
+              <a:ext uri="{FF2B5EF4-FFF2-40B4-BE49-F238E27FC236}">
+                <a16:creationId xmlns:a16="http://schemas.microsoft.com/office/drawing/2014/main" id="{CC55C3C7-4498-C188-ACC9-BAA4BAC04F5D}"/>
+              </a:ext>
+            </a:extLst>
+          </p:cNvPr>
+          <p:cNvPicPr>
+            <a:picLocks noChangeAspect="1"/>
+          </p:cNvPicPr>
+          <p:nvPr/>
+        </p:nvPicPr>
+        <p:blipFill>
+          <a:blip r:embed="rId2">
+            <a:duotone>
+              <a:schemeClr val="bg2">
+                <a:shade val="45000"/>
+                <a:satMod val="135000"/>
+              </a:schemeClr>
+              <a:prstClr val="white"/>
+            </a:duotone>
+            <a:extLst>
+              <a:ext uri="{BEBA8EAE-BF5A-486C-A8C5-ECC9F3942E4B}">
+                <a14:imgProps xmlns:a14="http://schemas.microsoft.com/office/drawing/2010/main">
+                  <a14:imgLayer r:embed="rId3">
+                    <a14:imgEffect>
+                      <a14:brightnessContrast bright="40000"/>
+                    </a14:imgEffect>
+                  </a14:imgLayer>
+                </a14:imgProps>
+              </a:ext>
+            </a:extLst>
+          </a:blip>
+          <a:stretch>
+            <a:fillRect/>
+          </a:stretch>
+        </p:blipFill>
+        <p:spPr>
+          <a:xfrm>
+            <a:off x="3465801" y="1055103"/>
+            <a:ext cx="4879397" cy="1791653"/>
+          </a:xfrm>
+          <a:prstGeom prst="rect">
+            <a:avLst/>
+          </a:prstGeom>
+        </p:spPr>
+      </p:pic>
+      <p:pic>
+        <p:nvPicPr>
+          <p:cNvPr id="1026" name="Picture 2" descr="IconExperience » G-Collection » Cpu 2 Icon">
+            <a:extLst>
+              <a:ext uri="{FF2B5EF4-FFF2-40B4-BE49-F238E27FC236}">
+                <a16:creationId xmlns:a16="http://schemas.microsoft.com/office/drawing/2014/main" id="{06A27620-1596-5479-D62D-BEFE77F31AE3}"/>
+              </a:ext>
+            </a:extLst>
+          </p:cNvPr>
+          <p:cNvPicPr>
+            <a:picLocks noChangeAspect="1" noChangeArrowheads="1"/>
+          </p:cNvPicPr>
+          <p:nvPr/>
+        </p:nvPicPr>
+        <p:blipFill>
+          <a:blip r:embed="rId4">
+            <a:extLst>
+              <a:ext uri="{28A0092B-C50C-407E-A947-70E740481C1C}">
+                <a14:useLocalDpi xmlns:a14="http://schemas.microsoft.com/office/drawing/2010/main" val="0"/>
+              </a:ext>
+            </a:extLst>
+          </a:blip>
+          <a:srcRect/>
+          <a:stretch>
+            <a:fillRect/>
+          </a:stretch>
+        </p:blipFill>
+        <p:spPr bwMode="auto">
+          <a:xfrm>
+            <a:off x="3207328" y="3522488"/>
+            <a:ext cx="1131455" cy="1131455"/>
+          </a:xfrm>
+          <a:prstGeom prst="rect">
+            <a:avLst/>
+          </a:prstGeom>
+          <a:noFill/>
+          <a:extLst>
+            <a:ext uri="{909E8E84-426E-40DD-AFC4-6F175D3DCCD1}">
+              <a14:hiddenFill xmlns:a14="http://schemas.microsoft.com/office/drawing/2010/main">
+                <a:solidFill>
+                  <a:srgbClr val="FFFFFF"/>
+                </a:solidFill>
+              </a14:hiddenFill>
+            </a:ext>
+          </a:extLst>
+        </p:spPr>
+      </p:pic>
+      <p:pic>
+        <p:nvPicPr>
+          <p:cNvPr id="1028" name="Picture 4" descr="Ram Icon Vector Art, Icons, and Graphics for Free Download">
+            <a:extLst>
+              <a:ext uri="{FF2B5EF4-FFF2-40B4-BE49-F238E27FC236}">
+                <a16:creationId xmlns:a16="http://schemas.microsoft.com/office/drawing/2014/main" id="{4796B2D5-966D-5457-6B9E-FCF19AA7F5C5}"/>
+              </a:ext>
+            </a:extLst>
+          </p:cNvPr>
+          <p:cNvPicPr>
+            <a:picLocks noChangeAspect="1" noChangeArrowheads="1"/>
+          </p:cNvPicPr>
+          <p:nvPr/>
+        </p:nvPicPr>
+        <p:blipFill>
+          <a:blip r:embed="rId5">
+            <a:extLst>
+              <a:ext uri="{28A0092B-C50C-407E-A947-70E740481C1C}">
+                <a14:useLocalDpi xmlns:a14="http://schemas.microsoft.com/office/drawing/2010/main" val="0"/>
+              </a:ext>
+            </a:extLst>
+          </a:blip>
+          <a:srcRect/>
+          <a:stretch>
+            <a:fillRect/>
+          </a:stretch>
+        </p:blipFill>
+        <p:spPr bwMode="auto">
+          <a:xfrm>
+            <a:off x="4418719" y="3522488"/>
+            <a:ext cx="1131455" cy="1131455"/>
+          </a:xfrm>
+          <a:prstGeom prst="rect">
+            <a:avLst/>
+          </a:prstGeom>
+          <a:noFill/>
+          <a:extLst>
+            <a:ext uri="{909E8E84-426E-40DD-AFC4-6F175D3DCCD1}">
+              <a14:hiddenFill xmlns:a14="http://schemas.microsoft.com/office/drawing/2010/main">
+                <a:solidFill>
+                  <a:srgbClr val="FFFFFF"/>
+                </a:solidFill>
+              </a14:hiddenFill>
+            </a:ext>
+          </a:extLst>
+        </p:spPr>
+      </p:pic>
+      <p:pic>
+        <p:nvPicPr>
+          <p:cNvPr id="1030" name="Picture 6" descr="Hard disk drive - Free computer icons">
+            <a:extLst>
+              <a:ext uri="{FF2B5EF4-FFF2-40B4-BE49-F238E27FC236}">
+                <a16:creationId xmlns:a16="http://schemas.microsoft.com/office/drawing/2014/main" id="{487D032D-9C0F-ECED-FF38-A2D840F952C1}"/>
+              </a:ext>
+            </a:extLst>
+          </p:cNvPr>
+          <p:cNvPicPr>
+            <a:picLocks noChangeAspect="1" noChangeArrowheads="1"/>
+          </p:cNvPicPr>
+          <p:nvPr/>
+        </p:nvPicPr>
+        <p:blipFill>
+          <a:blip r:embed="rId6">
+            <a:extLst>
+              <a:ext uri="{28A0092B-C50C-407E-A947-70E740481C1C}">
+                <a14:useLocalDpi xmlns:a14="http://schemas.microsoft.com/office/drawing/2010/main" val="0"/>
+              </a:ext>
+            </a:extLst>
+          </a:blip>
+          <a:srcRect/>
+          <a:stretch>
+            <a:fillRect/>
+          </a:stretch>
+        </p:blipFill>
+        <p:spPr bwMode="auto">
+          <a:xfrm>
+            <a:off x="5550174" y="3595711"/>
+            <a:ext cx="947341" cy="947341"/>
+          </a:xfrm>
+          <a:prstGeom prst="rect">
+            <a:avLst/>
+          </a:prstGeom>
+          <a:noFill/>
+          <a:extLst>
+            <a:ext uri="{909E8E84-426E-40DD-AFC4-6F175D3DCCD1}">
+              <a14:hiddenFill xmlns:a14="http://schemas.microsoft.com/office/drawing/2010/main">
+                <a:solidFill>
+                  <a:srgbClr val="FFFFFF"/>
+                </a:solidFill>
+              </a14:hiddenFill>
+            </a:ext>
+          </a:extLst>
+        </p:spPr>
+      </p:pic>
+      <p:pic>
+        <p:nvPicPr>
+          <p:cNvPr id="1032" name="Picture 8" descr="Premium Vector | Vector ethernet connector with cable">
+            <a:extLst>
+              <a:ext uri="{FF2B5EF4-FFF2-40B4-BE49-F238E27FC236}">
+                <a16:creationId xmlns:a16="http://schemas.microsoft.com/office/drawing/2014/main" id="{13646FF8-CEC7-748C-26F3-FA81E54FF9E8}"/>
+              </a:ext>
+            </a:extLst>
+          </p:cNvPr>
+          <p:cNvPicPr>
+            <a:picLocks noChangeAspect="1" noChangeArrowheads="1"/>
+          </p:cNvPicPr>
+          <p:nvPr/>
+        </p:nvPicPr>
+        <p:blipFill>
+          <a:blip r:embed="rId7">
+            <a:extLst>
+              <a:ext uri="{28A0092B-C50C-407E-A947-70E740481C1C}">
+                <a14:useLocalDpi xmlns:a14="http://schemas.microsoft.com/office/drawing/2010/main" val="0"/>
+              </a:ext>
+            </a:extLst>
+          </a:blip>
+          <a:srcRect/>
+          <a:stretch>
+            <a:fillRect/>
+          </a:stretch>
+        </p:blipFill>
+        <p:spPr bwMode="auto">
+          <a:xfrm>
+            <a:off x="6427772" y="3441870"/>
+            <a:ext cx="1201198" cy="1201198"/>
+          </a:xfrm>
+          <a:prstGeom prst="rect">
+            <a:avLst/>
+          </a:prstGeom>
+          <a:noFill/>
+          <a:extLst>
+            <a:ext uri="{909E8E84-426E-40DD-AFC4-6F175D3DCCD1}">
+              <a14:hiddenFill xmlns:a14="http://schemas.microsoft.com/office/drawing/2010/main">
+                <a:solidFill>
+                  <a:srgbClr val="FFFFFF"/>
+                </a:solidFill>
+              </a14:hiddenFill>
+            </a:ext>
+          </a:extLst>
+        </p:spPr>
+      </p:pic>
+      <p:pic>
+        <p:nvPicPr>
+          <p:cNvPr id="1034" name="Picture 10" descr="Gpu - Free computer icons">
+            <a:extLst>
+              <a:ext uri="{FF2B5EF4-FFF2-40B4-BE49-F238E27FC236}">
+                <a16:creationId xmlns:a16="http://schemas.microsoft.com/office/drawing/2014/main" id="{E7620BAA-AD2A-ACB7-8DA0-CFBD313E523D}"/>
+              </a:ext>
+            </a:extLst>
+          </p:cNvPr>
+          <p:cNvPicPr>
+            <a:picLocks noChangeAspect="1" noChangeArrowheads="1"/>
+          </p:cNvPicPr>
+          <p:nvPr/>
+        </p:nvPicPr>
+        <p:blipFill>
+          <a:blip r:embed="rId8">
+            <a:extLst>
+              <a:ext uri="{28A0092B-C50C-407E-A947-70E740481C1C}">
+                <a14:useLocalDpi xmlns:a14="http://schemas.microsoft.com/office/drawing/2010/main" val="0"/>
+              </a:ext>
+            </a:extLst>
+          </a:blip>
+          <a:srcRect/>
+          <a:stretch>
+            <a:fillRect/>
+          </a:stretch>
+        </p:blipFill>
+        <p:spPr bwMode="auto">
+          <a:xfrm>
+            <a:off x="7621994" y="3593928"/>
+            <a:ext cx="964510" cy="964510"/>
+          </a:xfrm>
+          <a:prstGeom prst="rect">
+            <a:avLst/>
+          </a:prstGeom>
+          <a:noFill/>
+          <a:extLst>
+            <a:ext uri="{909E8E84-426E-40DD-AFC4-6F175D3DCCD1}">
+              <a14:hiddenFill xmlns:a14="http://schemas.microsoft.com/office/drawing/2010/main">
+                <a:solidFill>
+                  <a:srgbClr val="FFFFFF"/>
+                </a:solidFill>
+              </a14:hiddenFill>
+            </a:ext>
+          </a:extLst>
+        </p:spPr>
+      </p:pic>
+      <p:sp>
+        <p:nvSpPr>
+          <p:cNvPr id="6" name="Rounded Rectangle 5">
+            <a:extLst>
+              <a:ext uri="{FF2B5EF4-FFF2-40B4-BE49-F238E27FC236}">
+                <a16:creationId xmlns:a16="http://schemas.microsoft.com/office/drawing/2014/main" id="{A9FFCF45-61CD-A996-CB48-5C66C68DBA32}"/>
+              </a:ext>
+            </a:extLst>
+          </p:cNvPr>
+          <p:cNvSpPr/>
+          <p:nvPr/>
+        </p:nvSpPr>
+        <p:spPr>
+          <a:xfrm>
+            <a:off x="3057893" y="859035"/>
+            <a:ext cx="5719209" cy="2054693"/>
+          </a:xfrm>
+          <a:prstGeom prst="roundRect">
+            <a:avLst>
+              <a:gd name="adj" fmla="val 9241"/>
+            </a:avLst>
+          </a:prstGeom>
+          <a:noFill/>
+        </p:spPr>
+        <p:style>
+          <a:lnRef idx="2">
+            <a:schemeClr val="accent1">
+              <a:shade val="15000"/>
+            </a:schemeClr>
+          </a:lnRef>
+          <a:fillRef idx="1">
+            <a:schemeClr val="accent1"/>
+          </a:fillRef>
+          <a:effectRef idx="0">
+            <a:schemeClr val="accent1"/>
+          </a:effectRef>
+          <a:fontRef idx="minor">
+            <a:schemeClr val="lt1"/>
+          </a:fontRef>
+        </p:style>
+        <p:txBody>
+          <a:bodyPr rtlCol="0" anchor="ctr"/>
+          <a:lstStyle/>
+          <a:p>
+            <a:pPr algn="ctr"/>
+            <a:endParaRPr lang="en-US" dirty="0">
+              <a:solidFill>
+                <a:sysClr val="windowText" lastClr="000000"/>
+              </a:solidFill>
+            </a:endParaRPr>
+          </a:p>
+        </p:txBody>
+      </p:sp>
+      <p:sp>
+        <p:nvSpPr>
+          <p:cNvPr id="7" name="TextBox 6">
+            <a:extLst>
+              <a:ext uri="{FF2B5EF4-FFF2-40B4-BE49-F238E27FC236}">
+                <a16:creationId xmlns:a16="http://schemas.microsoft.com/office/drawing/2014/main" id="{33905B20-5131-FC33-4094-A066DA22D274}"/>
+              </a:ext>
+            </a:extLst>
+          </p:cNvPr>
+          <p:cNvSpPr txBox="1"/>
+          <p:nvPr/>
+        </p:nvSpPr>
+        <p:spPr>
+          <a:xfrm>
+            <a:off x="3207328" y="886687"/>
+            <a:ext cx="1963868" cy="369332"/>
+          </a:xfrm>
+          <a:prstGeom prst="rect">
+            <a:avLst/>
+          </a:prstGeom>
+          <a:noFill/>
+        </p:spPr>
+        <p:txBody>
+          <a:bodyPr wrap="square">
+            <a:spAutoFit/>
+          </a:bodyPr>
+          <a:lstStyle/>
+          <a:p>
+            <a:r>
+              <a:rPr lang="en-US" dirty="0"/>
+              <a:t>Software</a:t>
+            </a:r>
+          </a:p>
+        </p:txBody>
+      </p:sp>
+      <p:sp>
+        <p:nvSpPr>
+          <p:cNvPr id="8" name="TextBox 7">
+            <a:extLst>
+              <a:ext uri="{FF2B5EF4-FFF2-40B4-BE49-F238E27FC236}">
+                <a16:creationId xmlns:a16="http://schemas.microsoft.com/office/drawing/2014/main" id="{6B0C89DB-83C8-1F08-78CA-D0D8DA2CDC8B}"/>
+              </a:ext>
+            </a:extLst>
+          </p:cNvPr>
+          <p:cNvSpPr txBox="1"/>
+          <p:nvPr/>
+        </p:nvSpPr>
+        <p:spPr>
+          <a:xfrm>
+            <a:off x="3246589" y="3151763"/>
+            <a:ext cx="1963868" cy="369332"/>
+          </a:xfrm>
+          <a:prstGeom prst="rect">
+            <a:avLst/>
+          </a:prstGeom>
+          <a:noFill/>
+        </p:spPr>
+        <p:txBody>
+          <a:bodyPr wrap="square">
+            <a:spAutoFit/>
+          </a:bodyPr>
+          <a:lstStyle/>
+          <a:p>
+            <a:r>
+              <a:rPr lang="en-US" dirty="0"/>
+              <a:t>Hardware</a:t>
+            </a:r>
+          </a:p>
+        </p:txBody>
+      </p:sp>
+    </p:spTree>
+    <p:extLst>
+      <p:ext uri="{BB962C8B-B14F-4D97-AF65-F5344CB8AC3E}">
+        <p14:creationId xmlns:p14="http://schemas.microsoft.com/office/powerpoint/2010/main" val="4238707641"/>
+      </p:ext>
+    </p:extLst>
+  </p:cSld>
+  <p:clrMapOvr>
+    <a:masterClrMapping/>
+  </p:clrMapOvr>
+</p:sld>
+</file>
+
 <file path=ppt/theme/theme1.xml><?xml version="1.0" encoding="utf-8"?>
 <a:theme xmlns:a="http://schemas.openxmlformats.org/drawingml/2006/main" name="Office Theme">
   <a:themeElements>

--- a/teaching/2023Fall/4504/Project/fig.pptx
+++ b/teaching/2023Fall/4504/Project/fig.pptx
@@ -8,6 +8,7 @@
     <p:sldId id="256" r:id="rId2"/>
     <p:sldId id="257" r:id="rId3"/>
     <p:sldId id="258" r:id="rId4"/>
+    <p:sldId id="259" r:id="rId5"/>
   </p:sldIdLst>
   <p:sldSz cx="12192000" cy="6858000"/>
   <p:notesSz cx="6858000" cy="9144000"/>
@@ -261,7 +262,7 @@
           <a:p>
             <a:fld id="{DBF89335-27AE-5145-B073-FC0580B2CC00}" type="datetimeFigureOut">
               <a:rPr lang="en-US" smtClean="0"/>
-              <a:t>9/5/23</a:t>
+              <a:t>11/8/23</a:t>
             </a:fld>
             <a:endParaRPr lang="en-US"/>
           </a:p>
@@ -459,7 +460,7 @@
           <a:p>
             <a:fld id="{DBF89335-27AE-5145-B073-FC0580B2CC00}" type="datetimeFigureOut">
               <a:rPr lang="en-US" smtClean="0"/>
-              <a:t>9/5/23</a:t>
+              <a:t>11/8/23</a:t>
             </a:fld>
             <a:endParaRPr lang="en-US"/>
           </a:p>
@@ -667,7 +668,7 @@
           <a:p>
             <a:fld id="{DBF89335-27AE-5145-B073-FC0580B2CC00}" type="datetimeFigureOut">
               <a:rPr lang="en-US" smtClean="0"/>
-              <a:t>9/5/23</a:t>
+              <a:t>11/8/23</a:t>
             </a:fld>
             <a:endParaRPr lang="en-US"/>
           </a:p>
@@ -865,7 +866,7 @@
           <a:p>
             <a:fld id="{DBF89335-27AE-5145-B073-FC0580B2CC00}" type="datetimeFigureOut">
               <a:rPr lang="en-US" smtClean="0"/>
-              <a:t>9/5/23</a:t>
+              <a:t>11/8/23</a:t>
             </a:fld>
             <a:endParaRPr lang="en-US"/>
           </a:p>
@@ -1140,7 +1141,7 @@
           <a:p>
             <a:fld id="{DBF89335-27AE-5145-B073-FC0580B2CC00}" type="datetimeFigureOut">
               <a:rPr lang="en-US" smtClean="0"/>
-              <a:t>9/5/23</a:t>
+              <a:t>11/8/23</a:t>
             </a:fld>
             <a:endParaRPr lang="en-US"/>
           </a:p>
@@ -1405,7 +1406,7 @@
           <a:p>
             <a:fld id="{DBF89335-27AE-5145-B073-FC0580B2CC00}" type="datetimeFigureOut">
               <a:rPr lang="en-US" smtClean="0"/>
-              <a:t>9/5/23</a:t>
+              <a:t>11/8/23</a:t>
             </a:fld>
             <a:endParaRPr lang="en-US"/>
           </a:p>
@@ -1817,7 +1818,7 @@
           <a:p>
             <a:fld id="{DBF89335-27AE-5145-B073-FC0580B2CC00}" type="datetimeFigureOut">
               <a:rPr lang="en-US" smtClean="0"/>
-              <a:t>9/5/23</a:t>
+              <a:t>11/8/23</a:t>
             </a:fld>
             <a:endParaRPr lang="en-US"/>
           </a:p>
@@ -1958,7 +1959,7 @@
           <a:p>
             <a:fld id="{DBF89335-27AE-5145-B073-FC0580B2CC00}" type="datetimeFigureOut">
               <a:rPr lang="en-US" smtClean="0"/>
-              <a:t>9/5/23</a:t>
+              <a:t>11/8/23</a:t>
             </a:fld>
             <a:endParaRPr lang="en-US"/>
           </a:p>
@@ -2071,7 +2072,7 @@
           <a:p>
             <a:fld id="{DBF89335-27AE-5145-B073-FC0580B2CC00}" type="datetimeFigureOut">
               <a:rPr lang="en-US" smtClean="0"/>
-              <a:t>9/5/23</a:t>
+              <a:t>11/8/23</a:t>
             </a:fld>
             <a:endParaRPr lang="en-US"/>
           </a:p>
@@ -2382,7 +2383,7 @@
           <a:p>
             <a:fld id="{DBF89335-27AE-5145-B073-FC0580B2CC00}" type="datetimeFigureOut">
               <a:rPr lang="en-US" smtClean="0"/>
-              <a:t>9/5/23</a:t>
+              <a:t>11/8/23</a:t>
             </a:fld>
             <a:endParaRPr lang="en-US"/>
           </a:p>
@@ -2670,7 +2671,7 @@
           <a:p>
             <a:fld id="{DBF89335-27AE-5145-B073-FC0580B2CC00}" type="datetimeFigureOut">
               <a:rPr lang="en-US" smtClean="0"/>
-              <a:t>9/5/23</a:t>
+              <a:t>11/8/23</a:t>
             </a:fld>
             <a:endParaRPr lang="en-US"/>
           </a:p>
@@ -2911,7 +2912,7 @@
           <a:p>
             <a:fld id="{DBF89335-27AE-5145-B073-FC0580B2CC00}" type="datetimeFigureOut">
               <a:rPr lang="en-US" smtClean="0"/>
-              <a:t>9/5/23</a:t>
+              <a:t>11/8/23</a:t>
             </a:fld>
             <a:endParaRPr lang="en-US"/>
           </a:p>
@@ -5246,6 +5247,437 @@
 </p:sld>
 </file>
 
+<file path=ppt/slides/slide4.xml><?xml version="1.0" encoding="utf-8"?>
+<p:sld xmlns:a="http://schemas.openxmlformats.org/drawingml/2006/main" xmlns:r="http://schemas.openxmlformats.org/officeDocument/2006/relationships" xmlns:p="http://schemas.openxmlformats.org/presentationml/2006/main">
+  <p:cSld>
+    <p:spTree>
+      <p:nvGrpSpPr>
+        <p:cNvPr id="1" name=""/>
+        <p:cNvGrpSpPr/>
+        <p:nvPr/>
+      </p:nvGrpSpPr>
+      <p:grpSpPr>
+        <a:xfrm>
+          <a:off x="0" y="0"/>
+          <a:ext cx="0" cy="0"/>
+          <a:chOff x="0" y="0"/>
+          <a:chExt cx="0" cy="0"/>
+        </a:xfrm>
+      </p:grpSpPr>
+      <p:pic>
+        <p:nvPicPr>
+          <p:cNvPr id="4" name="Picture 3">
+            <a:extLst>
+              <a:ext uri="{FF2B5EF4-FFF2-40B4-BE49-F238E27FC236}">
+                <a16:creationId xmlns:a16="http://schemas.microsoft.com/office/drawing/2014/main" id="{2B4BBC61-AC19-4228-1679-F899B7E72DC6}"/>
+              </a:ext>
+            </a:extLst>
+          </p:cNvPr>
+          <p:cNvPicPr>
+            <a:picLocks noChangeAspect="1"/>
+          </p:cNvPicPr>
+          <p:nvPr/>
+        </p:nvPicPr>
+        <p:blipFill>
+          <a:blip r:embed="rId2"/>
+          <a:stretch>
+            <a:fillRect/>
+          </a:stretch>
+        </p:blipFill>
+        <p:spPr>
+          <a:xfrm>
+            <a:off x="2894894" y="1838774"/>
+            <a:ext cx="6705600" cy="1079500"/>
+          </a:xfrm>
+          <a:prstGeom prst="rect">
+            <a:avLst/>
+          </a:prstGeom>
+        </p:spPr>
+      </p:pic>
+      <p:pic>
+        <p:nvPicPr>
+          <p:cNvPr id="5" name="Picture 4">
+            <a:extLst>
+              <a:ext uri="{FF2B5EF4-FFF2-40B4-BE49-F238E27FC236}">
+                <a16:creationId xmlns:a16="http://schemas.microsoft.com/office/drawing/2014/main" id="{2C6E49D7-A8B2-93F3-2BF1-58A6B5C2DAC5}"/>
+              </a:ext>
+            </a:extLst>
+          </p:cNvPr>
+          <p:cNvPicPr>
+            <a:picLocks noChangeAspect="1"/>
+          </p:cNvPicPr>
+          <p:nvPr/>
+        </p:nvPicPr>
+        <p:blipFill>
+          <a:blip r:embed="rId3"/>
+          <a:stretch>
+            <a:fillRect/>
+          </a:stretch>
+        </p:blipFill>
+        <p:spPr>
+          <a:xfrm>
+            <a:off x="2894894" y="3429000"/>
+            <a:ext cx="6819900" cy="1181100"/>
+          </a:xfrm>
+          <a:prstGeom prst="rect">
+            <a:avLst/>
+          </a:prstGeom>
+        </p:spPr>
+      </p:pic>
+      <p:sp>
+        <p:nvSpPr>
+          <p:cNvPr id="21" name="TextBox 20">
+            <a:extLst>
+              <a:ext uri="{FF2B5EF4-FFF2-40B4-BE49-F238E27FC236}">
+                <a16:creationId xmlns:a16="http://schemas.microsoft.com/office/drawing/2014/main" id="{DD9CC3DC-AC02-18AB-E215-00F85691FDC7}"/>
+              </a:ext>
+            </a:extLst>
+          </p:cNvPr>
+          <p:cNvSpPr txBox="1"/>
+          <p:nvPr/>
+        </p:nvSpPr>
+        <p:spPr>
+          <a:xfrm>
+            <a:off x="779177" y="2055915"/>
+            <a:ext cx="2055988" cy="646331"/>
+          </a:xfrm>
+          <a:prstGeom prst="rect">
+            <a:avLst/>
+          </a:prstGeom>
+          <a:noFill/>
+        </p:spPr>
+        <p:txBody>
+          <a:bodyPr wrap="square" rtlCol="0">
+            <a:spAutoFit/>
+          </a:bodyPr>
+          <a:lstStyle/>
+          <a:p>
+            <a:r>
+              <a:rPr lang="en-US" dirty="0">
+                <a:solidFill>
+                  <a:srgbClr val="FF0000"/>
+                </a:solidFill>
+              </a:rPr>
+              <a:t>How much does OpenMP improve?</a:t>
+            </a:r>
+          </a:p>
+        </p:txBody>
+      </p:sp>
+      <p:sp>
+        <p:nvSpPr>
+          <p:cNvPr id="22" name="TextBox 21">
+            <a:extLst>
+              <a:ext uri="{FF2B5EF4-FFF2-40B4-BE49-F238E27FC236}">
+                <a16:creationId xmlns:a16="http://schemas.microsoft.com/office/drawing/2014/main" id="{31A4EE84-06D4-3D1D-2D75-BC021D46B106}"/>
+              </a:ext>
+            </a:extLst>
+          </p:cNvPr>
+          <p:cNvSpPr txBox="1"/>
+          <p:nvPr/>
+        </p:nvSpPr>
+        <p:spPr>
+          <a:xfrm>
+            <a:off x="4636598" y="2848717"/>
+            <a:ext cx="2690175" cy="646331"/>
+          </a:xfrm>
+          <a:prstGeom prst="rect">
+            <a:avLst/>
+          </a:prstGeom>
+          <a:noFill/>
+        </p:spPr>
+        <p:txBody>
+          <a:bodyPr wrap="square" rtlCol="0">
+            <a:spAutoFit/>
+          </a:bodyPr>
+          <a:lstStyle/>
+          <a:p>
+            <a:r>
+              <a:rPr lang="en-US" dirty="0">
+                <a:solidFill>
+                  <a:srgbClr val="00B0F0"/>
+                </a:solidFill>
+              </a:rPr>
+              <a:t>How much does block-opt improve sequential code?</a:t>
+            </a:r>
+          </a:p>
+        </p:txBody>
+      </p:sp>
+      <p:sp>
+        <p:nvSpPr>
+          <p:cNvPr id="23" name="TextBox 22">
+            <a:extLst>
+              <a:ext uri="{FF2B5EF4-FFF2-40B4-BE49-F238E27FC236}">
+                <a16:creationId xmlns:a16="http://schemas.microsoft.com/office/drawing/2014/main" id="{E15C344F-A1E2-3CF6-1C91-BBDE0A3A9057}"/>
+              </a:ext>
+            </a:extLst>
+          </p:cNvPr>
+          <p:cNvSpPr txBox="1"/>
+          <p:nvPr/>
+        </p:nvSpPr>
+        <p:spPr>
+          <a:xfrm>
+            <a:off x="1030776" y="2848716"/>
+            <a:ext cx="3086792" cy="646331"/>
+          </a:xfrm>
+          <a:prstGeom prst="rect">
+            <a:avLst/>
+          </a:prstGeom>
+          <a:noFill/>
+        </p:spPr>
+        <p:txBody>
+          <a:bodyPr wrap="square" rtlCol="0">
+            <a:spAutoFit/>
+          </a:bodyPr>
+          <a:lstStyle/>
+          <a:p>
+            <a:r>
+              <a:rPr lang="en-US" dirty="0">
+                <a:solidFill>
+                  <a:srgbClr val="00B050"/>
+                </a:solidFill>
+              </a:rPr>
+              <a:t>How much does block-opt improve on top of OpenMP?</a:t>
+            </a:r>
+          </a:p>
+        </p:txBody>
+      </p:sp>
+      <p:sp>
+        <p:nvSpPr>
+          <p:cNvPr id="30" name="Arc 29">
+            <a:extLst>
+              <a:ext uri="{FF2B5EF4-FFF2-40B4-BE49-F238E27FC236}">
+                <a16:creationId xmlns:a16="http://schemas.microsoft.com/office/drawing/2014/main" id="{6B352501-5C13-D290-7804-60FE52EF4B13}"/>
+              </a:ext>
+            </a:extLst>
+          </p:cNvPr>
+          <p:cNvSpPr/>
+          <p:nvPr/>
+        </p:nvSpPr>
+        <p:spPr>
+          <a:xfrm rot="10800000">
+            <a:off x="2698232" y="2265625"/>
+            <a:ext cx="731521" cy="224101"/>
+          </a:xfrm>
+          <a:prstGeom prst="arc">
+            <a:avLst>
+              <a:gd name="adj1" fmla="val 16200000"/>
+              <a:gd name="adj2" fmla="val 5219225"/>
+            </a:avLst>
+          </a:prstGeom>
+          <a:ln w="28575">
+            <a:solidFill>
+              <a:srgbClr val="FF0000"/>
+            </a:solidFill>
+            <a:headEnd type="triangle" w="med" len="med"/>
+            <a:tailEnd type="triangle" w="med" len="med"/>
+          </a:ln>
+        </p:spPr>
+        <p:style>
+          <a:lnRef idx="1">
+            <a:schemeClr val="accent1"/>
+          </a:lnRef>
+          <a:fillRef idx="0">
+            <a:schemeClr val="accent1"/>
+          </a:fillRef>
+          <a:effectRef idx="0">
+            <a:schemeClr val="accent1"/>
+          </a:effectRef>
+          <a:fontRef idx="minor">
+            <a:schemeClr val="tx1"/>
+          </a:fontRef>
+        </p:style>
+        <p:txBody>
+          <a:bodyPr rtlCol="0" anchor="ctr"/>
+          <a:lstStyle/>
+          <a:p>
+            <a:pPr algn="ctr"/>
+            <a:endParaRPr lang="en-US" dirty="0"/>
+          </a:p>
+        </p:txBody>
+      </p:sp>
+      <p:cxnSp>
+        <p:nvCxnSpPr>
+          <p:cNvPr id="32" name="Straight Arrow Connector 31">
+            <a:extLst>
+              <a:ext uri="{FF2B5EF4-FFF2-40B4-BE49-F238E27FC236}">
+                <a16:creationId xmlns:a16="http://schemas.microsoft.com/office/drawing/2014/main" id="{9412584B-CB48-8633-FF9F-8183CA4CB605}"/>
+              </a:ext>
+            </a:extLst>
+          </p:cNvPr>
+          <p:cNvCxnSpPr/>
+          <p:nvPr/>
+        </p:nvCxnSpPr>
+        <p:spPr>
+          <a:xfrm>
+            <a:off x="3918856" y="2524562"/>
+            <a:ext cx="0" cy="1532708"/>
+          </a:xfrm>
+          <a:prstGeom prst="straightConnector1">
+            <a:avLst/>
+          </a:prstGeom>
+          <a:ln w="28575">
+            <a:solidFill>
+              <a:srgbClr val="00B050"/>
+            </a:solidFill>
+            <a:headEnd type="triangle"/>
+            <a:tailEnd type="triangle"/>
+          </a:ln>
+        </p:spPr>
+        <p:style>
+          <a:lnRef idx="1">
+            <a:schemeClr val="accent1"/>
+          </a:lnRef>
+          <a:fillRef idx="0">
+            <a:schemeClr val="accent1"/>
+          </a:fillRef>
+          <a:effectRef idx="0">
+            <a:schemeClr val="accent1"/>
+          </a:effectRef>
+          <a:fontRef idx="minor">
+            <a:schemeClr val="tx1"/>
+          </a:fontRef>
+        </p:style>
+      </p:cxnSp>
+      <p:cxnSp>
+        <p:nvCxnSpPr>
+          <p:cNvPr id="33" name="Straight Arrow Connector 32">
+            <a:extLst>
+              <a:ext uri="{FF2B5EF4-FFF2-40B4-BE49-F238E27FC236}">
+                <a16:creationId xmlns:a16="http://schemas.microsoft.com/office/drawing/2014/main" id="{B5BC8C0C-49B9-AA1C-966E-450DE9D4A5F9}"/>
+              </a:ext>
+            </a:extLst>
+          </p:cNvPr>
+          <p:cNvCxnSpPr/>
+          <p:nvPr/>
+        </p:nvCxnSpPr>
+        <p:spPr>
+          <a:xfrm>
+            <a:off x="4524102" y="2309170"/>
+            <a:ext cx="0" cy="1532708"/>
+          </a:xfrm>
+          <a:prstGeom prst="straightConnector1">
+            <a:avLst/>
+          </a:prstGeom>
+          <a:ln w="28575">
+            <a:solidFill>
+              <a:srgbClr val="00B0F0"/>
+            </a:solidFill>
+            <a:headEnd type="triangle"/>
+            <a:tailEnd type="triangle"/>
+          </a:ln>
+        </p:spPr>
+        <p:style>
+          <a:lnRef idx="1">
+            <a:schemeClr val="accent1"/>
+          </a:lnRef>
+          <a:fillRef idx="0">
+            <a:schemeClr val="accent1"/>
+          </a:fillRef>
+          <a:effectRef idx="0">
+            <a:schemeClr val="accent1"/>
+          </a:effectRef>
+          <a:fontRef idx="minor">
+            <a:schemeClr val="tx1"/>
+          </a:fontRef>
+        </p:style>
+      </p:cxnSp>
+      <p:cxnSp>
+        <p:nvCxnSpPr>
+          <p:cNvPr id="34" name="Straight Arrow Connector 33">
+            <a:extLst>
+              <a:ext uri="{FF2B5EF4-FFF2-40B4-BE49-F238E27FC236}">
+                <a16:creationId xmlns:a16="http://schemas.microsoft.com/office/drawing/2014/main" id="{F3DCDA92-CECD-063A-1C71-91E00868B59F}"/>
+              </a:ext>
+            </a:extLst>
+          </p:cNvPr>
+          <p:cNvCxnSpPr>
+            <a:cxnSpLocks/>
+          </p:cNvCxnSpPr>
+          <p:nvPr/>
+        </p:nvCxnSpPr>
+        <p:spPr>
+          <a:xfrm>
+            <a:off x="5959407" y="1838774"/>
+            <a:ext cx="2361441" cy="0"/>
+          </a:xfrm>
+          <a:prstGeom prst="straightConnector1">
+            <a:avLst/>
+          </a:prstGeom>
+          <a:ln w="28575">
+            <a:solidFill>
+              <a:schemeClr val="accent2"/>
+            </a:solidFill>
+            <a:headEnd type="triangle"/>
+            <a:tailEnd type="triangle"/>
+          </a:ln>
+        </p:spPr>
+        <p:style>
+          <a:lnRef idx="1">
+            <a:schemeClr val="accent1"/>
+          </a:lnRef>
+          <a:fillRef idx="0">
+            <a:schemeClr val="accent1"/>
+          </a:fillRef>
+          <a:effectRef idx="0">
+            <a:schemeClr val="accent1"/>
+          </a:effectRef>
+          <a:fontRef idx="minor">
+            <a:schemeClr val="tx1"/>
+          </a:fontRef>
+        </p:style>
+      </p:cxnSp>
+      <p:sp>
+        <p:nvSpPr>
+          <p:cNvPr id="37" name="TextBox 36">
+            <a:extLst>
+              <a:ext uri="{FF2B5EF4-FFF2-40B4-BE49-F238E27FC236}">
+                <a16:creationId xmlns:a16="http://schemas.microsoft.com/office/drawing/2014/main" id="{F2D1AA4B-C9B9-EE0F-2661-94E76BD69327}"/>
+              </a:ext>
+            </a:extLst>
+          </p:cNvPr>
+          <p:cNvSpPr txBox="1"/>
+          <p:nvPr/>
+        </p:nvSpPr>
+        <p:spPr>
+          <a:xfrm>
+            <a:off x="6217809" y="1192442"/>
+            <a:ext cx="2690175" cy="646331"/>
+          </a:xfrm>
+          <a:prstGeom prst="rect">
+            <a:avLst/>
+          </a:prstGeom>
+          <a:noFill/>
+        </p:spPr>
+        <p:txBody>
+          <a:bodyPr wrap="square" rtlCol="0">
+            <a:spAutoFit/>
+          </a:bodyPr>
+          <a:lstStyle/>
+          <a:p>
+            <a:r>
+              <a:rPr lang="en-US" dirty="0">
+                <a:solidFill>
+                  <a:schemeClr val="accent2"/>
+                </a:solidFill>
+              </a:rPr>
+              <a:t>What is the impact of matrix size?</a:t>
+            </a:r>
+          </a:p>
+        </p:txBody>
+      </p:sp>
+    </p:spTree>
+    <p:extLst>
+      <p:ext uri="{BB962C8B-B14F-4D97-AF65-F5344CB8AC3E}">
+        <p14:creationId xmlns:p14="http://schemas.microsoft.com/office/powerpoint/2010/main" val="2664503429"/>
+      </p:ext>
+    </p:extLst>
+  </p:cSld>
+  <p:clrMapOvr>
+    <a:masterClrMapping/>
+  </p:clrMapOvr>
+</p:sld>
+</file>
+
 <file path=ppt/theme/theme1.xml><?xml version="1.0" encoding="utf-8"?>
 <a:theme xmlns:a="http://schemas.openxmlformats.org/drawingml/2006/main" name="Office Theme">
   <a:themeElements>
